--- a/Lectures/py_lec_1.pptx
+++ b/Lectures/py_lec_1.pptx
@@ -223,7 +223,7 @@
           <a:p>
             <a:fld id="{FF08647B-1F9F-41A4-B867-46FC175D451E}" type="datetimeFigureOut">
               <a:rPr lang="ru-RU" smtClean="0"/>
-              <a:t>10.09.2021</a:t>
+              <a:t>20.12.2021</a:t>
             </a:fld>
             <a:endParaRPr lang="ru-RU"/>
           </a:p>
@@ -1703,15 +1703,20 @@
           <p:nvPr userDrawn="1"/>
         </p:nvPicPr>
         <p:blipFill>
-          <a:blip r:embed="rId2"/>
-          <a:stretch>
-            <a:fillRect/>
-          </a:stretch>
+          <a:blip r:embed="rId2">
+            <a:extLst>
+              <a:ext uri="{28A0092B-C50C-407E-A947-70E740481C1C}">
+                <a14:useLocalDpi xmlns:a14="http://schemas.microsoft.com/office/drawing/2010/main" val="0"/>
+              </a:ext>
+            </a:extLst>
+          </a:blip>
+          <a:srcRect/>
+          <a:stretch/>
         </p:blipFill>
         <p:spPr>
           <a:xfrm>
-            <a:off x="10989273" y="5648582"/>
-            <a:ext cx="1056396" cy="1067067"/>
+            <a:off x="10989273" y="5654572"/>
+            <a:ext cx="1056396" cy="1055086"/>
           </a:xfrm>
           <a:prstGeom prst="rect">
             <a:avLst/>
@@ -9536,7 +9541,7 @@
           <a:p>
             <a:fld id="{872826C2-28D7-D847-B39B-0D5EB9B6976D}" type="datetimeFigureOut">
               <a:rPr lang="ru-RU" smtClean="0"/>
-              <a:t>10.09.2021</a:t>
+              <a:t>20.12.2021</a:t>
             </a:fld>
             <a:endParaRPr lang="ru-RU"/>
           </a:p>
@@ -9704,7 +9709,7 @@
           <a:p>
             <a:fld id="{872826C2-28D7-D847-B39B-0D5EB9B6976D}" type="datetimeFigureOut">
               <a:rPr lang="ru-RU" smtClean="0"/>
-              <a:t>10.09.2021</a:t>
+              <a:t>20.12.2021</a:t>
             </a:fld>
             <a:endParaRPr lang="ru-RU"/>
           </a:p>
@@ -10115,7 +10120,7 @@
           <a:p>
             <a:fld id="{872826C2-28D7-D847-B39B-0D5EB9B6976D}" type="datetimeFigureOut">
               <a:rPr lang="ru-RU" smtClean="0"/>
-              <a:t>10.09.2021</a:t>
+              <a:t>20.12.2021</a:t>
             </a:fld>
             <a:endParaRPr lang="ru-RU"/>
           </a:p>
@@ -10344,7 +10349,7 @@
           <a:p>
             <a:fld id="{872826C2-28D7-D847-B39B-0D5EB9B6976D}" type="datetimeFigureOut">
               <a:rPr lang="ru-RU" smtClean="0"/>
-              <a:t>10.09.2021</a:t>
+              <a:t>20.12.2021</a:t>
             </a:fld>
             <a:endParaRPr lang="ru-RU"/>
           </a:p>
@@ -10708,7 +10713,7 @@
           <a:p>
             <a:fld id="{872826C2-28D7-D847-B39B-0D5EB9B6976D}" type="datetimeFigureOut">
               <a:rPr lang="ru-RU" smtClean="0"/>
-              <a:t>10.09.2021</a:t>
+              <a:t>20.12.2021</a:t>
             </a:fld>
             <a:endParaRPr lang="ru-RU"/>
           </a:p>
@@ -10825,7 +10830,7 @@
           <a:p>
             <a:fld id="{872826C2-28D7-D847-B39B-0D5EB9B6976D}" type="datetimeFigureOut">
               <a:rPr lang="ru-RU" smtClean="0"/>
-              <a:t>10.09.2021</a:t>
+              <a:t>20.12.2021</a:t>
             </a:fld>
             <a:endParaRPr lang="ru-RU"/>
           </a:p>
@@ -10920,7 +10925,7 @@
           <a:p>
             <a:fld id="{872826C2-28D7-D847-B39B-0D5EB9B6976D}" type="datetimeFigureOut">
               <a:rPr lang="ru-RU" smtClean="0"/>
-              <a:t>10.09.2021</a:t>
+              <a:t>20.12.2021</a:t>
             </a:fld>
             <a:endParaRPr lang="ru-RU"/>
           </a:p>
@@ -11195,7 +11200,7 @@
           <a:p>
             <a:fld id="{872826C2-28D7-D847-B39B-0D5EB9B6976D}" type="datetimeFigureOut">
               <a:rPr lang="ru-RU" smtClean="0"/>
-              <a:t>10.09.2021</a:t>
+              <a:t>20.12.2021</a:t>
             </a:fld>
             <a:endParaRPr lang="ru-RU"/>
           </a:p>
@@ -11447,7 +11452,7 @@
           <a:p>
             <a:fld id="{872826C2-28D7-D847-B39B-0D5EB9B6976D}" type="datetimeFigureOut">
               <a:rPr lang="ru-RU" smtClean="0"/>
-              <a:t>10.09.2021</a:t>
+              <a:t>20.12.2021</a:t>
             </a:fld>
             <a:endParaRPr lang="ru-RU"/>
           </a:p>
@@ -11615,7 +11620,7 @@
           <a:p>
             <a:fld id="{872826C2-28D7-D847-B39B-0D5EB9B6976D}" type="datetimeFigureOut">
               <a:rPr lang="ru-RU" smtClean="0"/>
-              <a:t>10.09.2021</a:t>
+              <a:t>20.12.2021</a:t>
             </a:fld>
             <a:endParaRPr lang="ru-RU"/>
           </a:p>
@@ -11793,7 +11798,7 @@
           <a:p>
             <a:fld id="{872826C2-28D7-D847-B39B-0D5EB9B6976D}" type="datetimeFigureOut">
               <a:rPr lang="ru-RU" smtClean="0"/>
-              <a:t>10.09.2021</a:t>
+              <a:t>20.12.2021</a:t>
             </a:fld>
             <a:endParaRPr lang="ru-RU"/>
           </a:p>
@@ -13330,7 +13335,7 @@
           <a:p>
             <a:fld id="{872826C2-28D7-D847-B39B-0D5EB9B6976D}" type="datetimeFigureOut">
               <a:rPr lang="ru-RU" smtClean="0"/>
-              <a:t>10.09.2021</a:t>
+              <a:t>20.12.2021</a:t>
             </a:fld>
             <a:endParaRPr lang="ru-RU"/>
           </a:p>
@@ -13729,7 +13734,7 @@
           </a:blip>
           <a:srcRect/>
           <a:stretch>
-            <a:fillRect/>
+            <a:fillRect t="-13000" b="-13000"/>
           </a:stretch>
         </a:blipFill>
         <a:effectLst/>
@@ -13749,36 +13754,6 @@
           <a:chExt cx="0" cy="0"/>
         </a:xfrm>
       </p:grpSpPr>
-      <p:pic>
-        <p:nvPicPr>
-          <p:cNvPr id="9" name="Изображение 8"/>
-          <p:cNvPicPr>
-            <a:picLocks noChangeAspect="1"/>
-          </p:cNvPicPr>
-          <p:nvPr/>
-        </p:nvPicPr>
-        <p:blipFill>
-          <a:blip r:embed="rId3">
-            <a:extLst>
-              <a:ext uri="{28A0092B-C50C-407E-A947-70E740481C1C}">
-                <a14:useLocalDpi xmlns:a14="http://schemas.microsoft.com/office/drawing/2010/main" val="0"/>
-              </a:ext>
-            </a:extLst>
-          </a:blip>
-          <a:stretch>
-            <a:fillRect/>
-          </a:stretch>
-        </p:blipFill>
-        <p:spPr>
-          <a:xfrm>
-            <a:off x="5165528" y="0"/>
-            <a:ext cx="1835229" cy="3085783"/>
-          </a:xfrm>
-          <a:prstGeom prst="rect">
-            <a:avLst/>
-          </a:prstGeom>
-        </p:spPr>
-      </p:pic>
       <p:sp>
         <p:nvSpPr>
           <p:cNvPr id="3" name="Rectangle 9">
@@ -13821,7 +13796,9 @@
             <a:r>
               <a:rPr lang="ru-RU" altLang="ru-RU" sz="4400" dirty="0">
                 <a:solidFill>
-                  <a:schemeClr val="bg1"/>
+                  <a:schemeClr val="accent3">
+                    <a:lumMod val="50000"/>
+                  </a:schemeClr>
                 </a:solidFill>
                 <a:latin typeface="+mn-lt"/>
                 <a:cs typeface="Times New Roman" panose="02020603050405020304" pitchFamily="18" charset="0"/>
@@ -13831,7 +13808,9 @@
             <a:r>
               <a:rPr lang="en-US" altLang="ru-RU" sz="4400" dirty="0">
                 <a:solidFill>
-                  <a:schemeClr val="bg1"/>
+                  <a:schemeClr val="accent3">
+                    <a:lumMod val="50000"/>
+                  </a:schemeClr>
                 </a:solidFill>
                 <a:latin typeface="+mn-lt"/>
                 <a:cs typeface="Times New Roman" panose="02020603050405020304" pitchFamily="18" charset="0"/>
@@ -13840,7 +13819,9 @@
             </a:r>
             <a:endParaRPr lang="ru-RU" altLang="ru-RU" sz="4400" dirty="0">
               <a:solidFill>
-                <a:schemeClr val="bg1"/>
+                <a:schemeClr val="accent3">
+                  <a:lumMod val="50000"/>
+                </a:schemeClr>
               </a:solidFill>
               <a:latin typeface="+mn-lt"/>
               <a:cs typeface="Times New Roman" panose="02020603050405020304" pitchFamily="18" charset="0"/>
@@ -13924,7 +13905,9 @@
             <a:r>
               <a:rPr lang="ru-RU" dirty="0">
                 <a:solidFill>
-                  <a:schemeClr val="bg1"/>
+                  <a:schemeClr val="accent3">
+                    <a:lumMod val="50000"/>
+                  </a:schemeClr>
                 </a:solidFill>
                 <a:latin typeface="+mn-lt"/>
                 <a:ea typeface="Calibri"/>
@@ -13950,7 +13933,9 @@
             <a:r>
               <a:rPr lang="ru-RU" dirty="0">
                 <a:solidFill>
-                  <a:schemeClr val="bg1"/>
+                  <a:schemeClr val="accent3">
+                    <a:lumMod val="50000"/>
+                  </a:schemeClr>
                 </a:solidFill>
                 <a:latin typeface="+mn-lt"/>
                 <a:ea typeface="Calibri"/>
@@ -13961,7 +13946,9 @@
             </a:r>
             <a:endParaRPr lang="en-US" dirty="0">
               <a:solidFill>
-                <a:schemeClr val="bg1"/>
+                <a:schemeClr val="accent3">
+                  <a:lumMod val="50000"/>
+                </a:schemeClr>
               </a:solidFill>
               <a:latin typeface="+mn-lt"/>
               <a:ea typeface="Calibri"/>
@@ -13977,6 +13964,49 @@
             <a:extLst>
               <a:ext uri="{FF2B5EF4-FFF2-40B4-BE49-F238E27FC236}">
                 <a16:creationId xmlns:a16="http://schemas.microsoft.com/office/drawing/2014/main" id="{B9FFC350-9EB2-4063-97F4-F79368338688}"/>
+              </a:ext>
+            </a:extLst>
+          </p:cNvPr>
+          <p:cNvPicPr>
+            <a:picLocks noChangeAspect="1"/>
+          </p:cNvPicPr>
+          <p:nvPr/>
+        </p:nvPicPr>
+        <p:blipFill>
+          <a:blip r:embed="rId3">
+            <a:extLst>
+              <a:ext uri="{28A0092B-C50C-407E-A947-70E740481C1C}">
+                <a14:useLocalDpi xmlns:a14="http://schemas.microsoft.com/office/drawing/2010/main" val="0"/>
+              </a:ext>
+            </a:extLst>
+          </a:blip>
+          <a:stretch>
+            <a:fillRect/>
+          </a:stretch>
+        </p:blipFill>
+        <p:spPr>
+          <a:xfrm>
+            <a:off x="5425421" y="4227954"/>
+            <a:ext cx="1315441" cy="1315441"/>
+          </a:xfrm>
+          <a:prstGeom prst="rect">
+            <a:avLst/>
+          </a:prstGeom>
+          <a:effectLst>
+            <a:outerShdw blurRad="50800" dist="38100" dir="5400000" algn="t" rotWithShape="0">
+              <a:prstClr val="black">
+                <a:alpha val="40000"/>
+              </a:prstClr>
+            </a:outerShdw>
+          </a:effectLst>
+        </p:spPr>
+      </p:pic>
+      <p:pic>
+        <p:nvPicPr>
+          <p:cNvPr id="11" name="Рисунок 10">
+            <a:extLst>
+              <a:ext uri="{FF2B5EF4-FFF2-40B4-BE49-F238E27FC236}">
+                <a16:creationId xmlns:a16="http://schemas.microsoft.com/office/drawing/2014/main" id="{F84EA053-2528-4D96-AE4B-BB7EF0DA26D3}"/>
               </a:ext>
             </a:extLst>
           </p:cNvPr>
@@ -13999,14 +14029,14 @@
         </p:blipFill>
         <p:spPr>
           <a:xfrm>
-            <a:off x="5425421" y="4227954"/>
-            <a:ext cx="1315441" cy="1315441"/>
+            <a:off x="4859226" y="0"/>
+            <a:ext cx="2473547" cy="2470482"/>
           </a:xfrm>
           <a:prstGeom prst="rect">
             <a:avLst/>
           </a:prstGeom>
           <a:effectLst>
-            <a:outerShdw blurRad="50800" dist="38100" dir="5400000" algn="t" rotWithShape="0">
+            <a:outerShdw blurRad="50800" dist="38100" dir="2700000" algn="tl" rotWithShape="0">
               <a:prstClr val="black">
                 <a:alpha val="40000"/>
               </a:prstClr>
@@ -20161,7 +20191,9 @@
             <a:r>
               <a:rPr lang="ru-RU" altLang="ru-RU" sz="3600" u="sng" dirty="0">
                 <a:solidFill>
-                  <a:srgbClr val="7030A0"/>
+                  <a:schemeClr val="bg2">
+                    <a:lumMod val="25000"/>
+                  </a:schemeClr>
                 </a:solidFill>
                 <a:latin typeface="+mn-lt"/>
                 <a:cs typeface="Times New Roman" panose="02020603050405020304" pitchFamily="18" charset="0"/>
